--- a/GitAssets/HynusWynusLogo.pptx
+++ b/GitAssets/HynusWynusLogo.pptx
@@ -7,9 +7,10 @@
   <p:sldIdLst>
     <p:sldId id="256" r:id="rId2"/>
     <p:sldId id="260" r:id="rId3"/>
-    <p:sldId id="257" r:id="rId4"/>
+    <p:sldId id="261" r:id="rId4"/>
     <p:sldId id="258" r:id="rId5"/>
-    <p:sldId id="259" r:id="rId6"/>
+    <p:sldId id="262" r:id="rId6"/>
+    <p:sldId id="259" r:id="rId7"/>
   </p:sldIdLst>
   <p:sldSz cx="12192000" cy="6858000"/>
   <p:notesSz cx="6858000" cy="9144000"/>
@@ -115,8 +116,9 @@
           <p14:sldIdLst>
             <p14:sldId id="256"/>
             <p14:sldId id="260"/>
-            <p14:sldId id="257"/>
+            <p14:sldId id="261"/>
             <p14:sldId id="258"/>
+            <p14:sldId id="262"/>
           </p14:sldIdLst>
         </p14:section>
         <p14:section name="Ideas" id="{9B0FAA1D-052C-4C23-ABBD-3596EC053F7C}">
@@ -280,7 +282,7 @@
           <a:p>
             <a:fld id="{41F32AC9-E875-46B4-84B0-D15BF981D69C}" type="datetimeFigureOut">
               <a:rPr lang="en-US" smtClean="0"/>
-              <a:t>9/30/2023</a:t>
+              <a:t>10/1/2023</a:t>
             </a:fld>
             <a:endParaRPr lang="en-US"/>
           </a:p>
@@ -478,7 +480,7 @@
           <a:p>
             <a:fld id="{41F32AC9-E875-46B4-84B0-D15BF981D69C}" type="datetimeFigureOut">
               <a:rPr lang="en-US" smtClean="0"/>
-              <a:t>9/30/2023</a:t>
+              <a:t>10/1/2023</a:t>
             </a:fld>
             <a:endParaRPr lang="en-US"/>
           </a:p>
@@ -686,7 +688,7 @@
           <a:p>
             <a:fld id="{41F32AC9-E875-46B4-84B0-D15BF981D69C}" type="datetimeFigureOut">
               <a:rPr lang="en-US" smtClean="0"/>
-              <a:t>9/30/2023</a:t>
+              <a:t>10/1/2023</a:t>
             </a:fld>
             <a:endParaRPr lang="en-US"/>
           </a:p>
@@ -884,7 +886,7 @@
           <a:p>
             <a:fld id="{41F32AC9-E875-46B4-84B0-D15BF981D69C}" type="datetimeFigureOut">
               <a:rPr lang="en-US" smtClean="0"/>
-              <a:t>9/30/2023</a:t>
+              <a:t>10/1/2023</a:t>
             </a:fld>
             <a:endParaRPr lang="en-US"/>
           </a:p>
@@ -1159,7 +1161,7 @@
           <a:p>
             <a:fld id="{41F32AC9-E875-46B4-84B0-D15BF981D69C}" type="datetimeFigureOut">
               <a:rPr lang="en-US" smtClean="0"/>
-              <a:t>9/30/2023</a:t>
+              <a:t>10/1/2023</a:t>
             </a:fld>
             <a:endParaRPr lang="en-US"/>
           </a:p>
@@ -1424,7 +1426,7 @@
           <a:p>
             <a:fld id="{41F32AC9-E875-46B4-84B0-D15BF981D69C}" type="datetimeFigureOut">
               <a:rPr lang="en-US" smtClean="0"/>
-              <a:t>9/30/2023</a:t>
+              <a:t>10/1/2023</a:t>
             </a:fld>
             <a:endParaRPr lang="en-US"/>
           </a:p>
@@ -1836,7 +1838,7 @@
           <a:p>
             <a:fld id="{41F32AC9-E875-46B4-84B0-D15BF981D69C}" type="datetimeFigureOut">
               <a:rPr lang="en-US" smtClean="0"/>
-              <a:t>9/30/2023</a:t>
+              <a:t>10/1/2023</a:t>
             </a:fld>
             <a:endParaRPr lang="en-US"/>
           </a:p>
@@ -1977,7 +1979,7 @@
           <a:p>
             <a:fld id="{41F32AC9-E875-46B4-84B0-D15BF981D69C}" type="datetimeFigureOut">
               <a:rPr lang="en-US" smtClean="0"/>
-              <a:t>9/30/2023</a:t>
+              <a:t>10/1/2023</a:t>
             </a:fld>
             <a:endParaRPr lang="en-US"/>
           </a:p>
@@ -2090,7 +2092,7 @@
           <a:p>
             <a:fld id="{41F32AC9-E875-46B4-84B0-D15BF981D69C}" type="datetimeFigureOut">
               <a:rPr lang="en-US" smtClean="0"/>
-              <a:t>9/30/2023</a:t>
+              <a:t>10/1/2023</a:t>
             </a:fld>
             <a:endParaRPr lang="en-US"/>
           </a:p>
@@ -2401,7 +2403,7 @@
           <a:p>
             <a:fld id="{41F32AC9-E875-46B4-84B0-D15BF981D69C}" type="datetimeFigureOut">
               <a:rPr lang="en-US" smtClean="0"/>
-              <a:t>9/30/2023</a:t>
+              <a:t>10/1/2023</a:t>
             </a:fld>
             <a:endParaRPr lang="en-US"/>
           </a:p>
@@ -2689,7 +2691,7 @@
           <a:p>
             <a:fld id="{41F32AC9-E875-46B4-84B0-D15BF981D69C}" type="datetimeFigureOut">
               <a:rPr lang="en-US" smtClean="0"/>
-              <a:t>9/30/2023</a:t>
+              <a:t>10/1/2023</a:t>
             </a:fld>
             <a:endParaRPr lang="en-US"/>
           </a:p>
@@ -2930,7 +2932,7 @@
           <a:p>
             <a:fld id="{41F32AC9-E875-46B4-84B0-D15BF981D69C}" type="datetimeFigureOut">
               <a:rPr lang="en-US" smtClean="0"/>
-              <a:t>9/30/2023</a:t>
+              <a:t>10/1/2023</a:t>
             </a:fld>
             <a:endParaRPr lang="en-US"/>
           </a:p>
@@ -3741,10 +3743,10 @@
       </p:grpSpPr>
       <p:grpSp>
         <p:nvGrpSpPr>
-          <p:cNvPr id="4" name="Group 3">
-            <a:extLst>
-              <a:ext uri="{FF2B5EF4-FFF2-40B4-BE49-F238E27FC236}">
-                <a16:creationId xmlns:a16="http://schemas.microsoft.com/office/drawing/2014/main" id="{035A45BB-E00A-9BFF-24C3-C4A2727692A1}"/>
+          <p:cNvPr id="6" name="Group 5">
+            <a:extLst>
+              <a:ext uri="{FF2B5EF4-FFF2-40B4-BE49-F238E27FC236}">
+                <a16:creationId xmlns:a16="http://schemas.microsoft.com/office/drawing/2014/main" id="{491AEE4F-D816-D1AD-1830-144D7E68DE42}"/>
               </a:ext>
             </a:extLst>
           </p:cNvPr>
@@ -3755,117 +3757,16 @@
           <a:xfrm>
             <a:off x="1977081" y="2171700"/>
             <a:ext cx="8237837" cy="2514599"/>
-            <a:chOff x="1235676" y="2171700"/>
+            <a:chOff x="1622854" y="1136822"/>
             <a:chExt cx="8237837" cy="2514599"/>
           </a:xfrm>
         </p:grpSpPr>
-        <p:grpSp>
-          <p:nvGrpSpPr>
-            <p:cNvPr id="5" name="Group 4">
+        <p:sp>
+          <p:nvSpPr>
+            <p:cNvPr id="4" name="TextBox 3">
               <a:extLst>
                 <a:ext uri="{FF2B5EF4-FFF2-40B4-BE49-F238E27FC236}">
-                  <a16:creationId xmlns:a16="http://schemas.microsoft.com/office/drawing/2014/main" id="{6C9CA786-5276-D501-8ABF-8446ADB497D1}"/>
-                </a:ext>
-              </a:extLst>
-            </p:cNvPr>
-            <p:cNvGrpSpPr/>
-            <p:nvPr/>
-          </p:nvGrpSpPr>
-          <p:grpSpPr>
-            <a:xfrm>
-              <a:off x="1235676" y="2171700"/>
-              <a:ext cx="8237837" cy="2514599"/>
-              <a:chOff x="1622854" y="1136822"/>
-              <a:chExt cx="8237837" cy="2514599"/>
-            </a:xfrm>
-          </p:grpSpPr>
-          <p:sp>
-            <p:nvSpPr>
-              <p:cNvPr id="7" name="TextBox 6">
-                <a:extLst>
-                  <a:ext uri="{FF2B5EF4-FFF2-40B4-BE49-F238E27FC236}">
-                    <a16:creationId xmlns:a16="http://schemas.microsoft.com/office/drawing/2014/main" id="{51D2DC29-4F65-B20B-6293-D8BF014DE8C4}"/>
-                  </a:ext>
-                </a:extLst>
-              </p:cNvPr>
-              <p:cNvSpPr txBox="1"/>
-              <p:nvPr/>
-            </p:nvSpPr>
-            <p:spPr>
-              <a:xfrm>
-                <a:off x="1622854" y="1136822"/>
-                <a:ext cx="6211329" cy="1569660"/>
-              </a:xfrm>
-              <a:prstGeom prst="rect">
-                <a:avLst/>
-              </a:prstGeom>
-              <a:noFill/>
-            </p:spPr>
-            <p:txBody>
-              <a:bodyPr wrap="square" rtlCol="0">
-                <a:spAutoFit/>
-              </a:bodyPr>
-              <a:lstStyle/>
-              <a:p>
-                <a:r>
-                  <a:rPr lang="en-US" sz="9600" i="1" dirty="0">
-                    <a:solidFill>
-                      <a:srgbClr val="D700FF"/>
-                    </a:solidFill>
-                    <a:latin typeface="Lighters DEMO" pitchFamily="50" charset="0"/>
-                  </a:rPr>
-                  <a:t>Hynus</a:t>
-                </a:r>
-              </a:p>
-            </p:txBody>
-          </p:sp>
-          <p:sp>
-            <p:nvSpPr>
-              <p:cNvPr id="8" name="TextBox 7">
-                <a:extLst>
-                  <a:ext uri="{FF2B5EF4-FFF2-40B4-BE49-F238E27FC236}">
-                    <a16:creationId xmlns:a16="http://schemas.microsoft.com/office/drawing/2014/main" id="{A89D7DDF-7713-C815-17E2-AD6639951CE5}"/>
-                  </a:ext>
-                </a:extLst>
-              </p:cNvPr>
-              <p:cNvSpPr txBox="1"/>
-              <p:nvPr/>
-            </p:nvSpPr>
-            <p:spPr>
-              <a:xfrm>
-                <a:off x="3649362" y="2081761"/>
-                <a:ext cx="6211329" cy="1569660"/>
-              </a:xfrm>
-              <a:prstGeom prst="rect">
-                <a:avLst/>
-              </a:prstGeom>
-              <a:noFill/>
-            </p:spPr>
-            <p:txBody>
-              <a:bodyPr wrap="square" rtlCol="0">
-                <a:spAutoFit/>
-              </a:bodyPr>
-              <a:lstStyle/>
-              <a:p>
-                <a:r>
-                  <a:rPr lang="en-US" sz="9600" dirty="0">
-                    <a:solidFill>
-                      <a:srgbClr val="FFFF00"/>
-                    </a:solidFill>
-                    <a:latin typeface="Lighters DEMO" pitchFamily="50" charset="0"/>
-                  </a:rPr>
-                  <a:t>Wynus</a:t>
-                </a:r>
-              </a:p>
-            </p:txBody>
-          </p:sp>
-        </p:grpSp>
-        <p:sp>
-          <p:nvSpPr>
-            <p:cNvPr id="6" name="TextBox 5">
-              <a:extLst>
-                <a:ext uri="{FF2B5EF4-FFF2-40B4-BE49-F238E27FC236}">
-                  <a16:creationId xmlns:a16="http://schemas.microsoft.com/office/drawing/2014/main" id="{B786D256-786C-EA9A-9591-A0F3122E6804}"/>
+                  <a16:creationId xmlns:a16="http://schemas.microsoft.com/office/drawing/2014/main" id="{8D0D4606-11AB-FA2F-38ED-19238132F39D}"/>
                 </a:ext>
               </a:extLst>
             </p:cNvPr>
@@ -3874,8 +3775,8 @@
           </p:nvSpPr>
           <p:spPr>
             <a:xfrm>
-              <a:off x="1351007" y="3429000"/>
-              <a:ext cx="1911178" cy="738664"/>
+              <a:off x="1622854" y="1136822"/>
+              <a:ext cx="6211329" cy="1569660"/>
             </a:xfrm>
             <a:prstGeom prst="rect">
               <a:avLst/>
@@ -3888,36 +3789,116 @@
             </a:bodyPr>
             <a:lstStyle/>
             <a:p>
-              <a:pPr algn="r"/>
               <a:r>
-                <a:rPr lang="en-US" sz="1400" spc="300" dirty="0">
+                <a:rPr lang="en-US" sz="9600" i="1" dirty="0">
                   <a:solidFill>
-                    <a:schemeClr val="bg1"/>
+                    <a:srgbClr val="D700FF"/>
                   </a:solidFill>
-                  <a:latin typeface="Yeysk" pitchFamily="50" charset="0"/>
+                  <a:latin typeface="Lighters DEMO" pitchFamily="50" charset="0"/>
                 </a:rPr>
-                <a:t>Windows Escalation</a:t>
+                <a:t>Hynus</a:t>
               </a:r>
             </a:p>
+          </p:txBody>
+        </p:sp>
+        <p:sp>
+          <p:nvSpPr>
+            <p:cNvPr id="5" name="TextBox 4">
+              <a:extLst>
+                <a:ext uri="{FF2B5EF4-FFF2-40B4-BE49-F238E27FC236}">
+                  <a16:creationId xmlns:a16="http://schemas.microsoft.com/office/drawing/2014/main" id="{D30ED832-B617-3A0A-A8B0-126254244BF2}"/>
+                </a:ext>
+              </a:extLst>
+            </p:cNvPr>
+            <p:cNvSpPr txBox="1"/>
+            <p:nvPr/>
+          </p:nvSpPr>
+          <p:spPr>
+            <a:xfrm>
+              <a:off x="3649362" y="2081761"/>
+              <a:ext cx="6211329" cy="1569660"/>
+            </a:xfrm>
+            <a:prstGeom prst="rect">
+              <a:avLst/>
+            </a:prstGeom>
+            <a:noFill/>
+          </p:spPr>
+          <p:txBody>
+            <a:bodyPr wrap="square" rtlCol="0">
+              <a:spAutoFit/>
+            </a:bodyPr>
+            <a:lstStyle/>
             <a:p>
-              <a:pPr algn="r"/>
               <a:r>
-                <a:rPr lang="en-US" sz="1400" spc="300" dirty="0">
+                <a:rPr lang="en-US" sz="9600" dirty="0">
                   <a:solidFill>
-                    <a:schemeClr val="bg1"/>
+                    <a:srgbClr val="FFFF00"/>
                   </a:solidFill>
-                  <a:latin typeface="Yeysk" pitchFamily="50" charset="0"/>
+                  <a:latin typeface="Lighters DEMO" pitchFamily="50" charset="0"/>
                 </a:rPr>
-                <a:t>Toolkit</a:t>
+                <a:t>Wynus</a:t>
               </a:r>
             </a:p>
           </p:txBody>
         </p:sp>
       </p:grpSp>
+      <p:sp>
+        <p:nvSpPr>
+          <p:cNvPr id="2" name="TextBox 1">
+            <a:extLst>
+              <a:ext uri="{FF2B5EF4-FFF2-40B4-BE49-F238E27FC236}">
+                <a16:creationId xmlns:a16="http://schemas.microsoft.com/office/drawing/2014/main" id="{08546108-DC45-9039-BEFF-1A80D4A0BCC0}"/>
+              </a:ext>
+            </a:extLst>
+          </p:cNvPr>
+          <p:cNvSpPr txBox="1"/>
+          <p:nvPr/>
+        </p:nvSpPr>
+        <p:spPr>
+          <a:xfrm>
+            <a:off x="2092412" y="3429000"/>
+            <a:ext cx="1911178" cy="738664"/>
+          </a:xfrm>
+          <a:prstGeom prst="rect">
+            <a:avLst/>
+          </a:prstGeom>
+          <a:noFill/>
+        </p:spPr>
+        <p:txBody>
+          <a:bodyPr wrap="square" rtlCol="0">
+            <a:spAutoFit/>
+          </a:bodyPr>
+          <a:lstStyle/>
+          <a:p>
+            <a:pPr algn="r"/>
+            <a:r>
+              <a:rPr lang="en-US" sz="1400" spc="300" dirty="0">
+                <a:solidFill>
+                  <a:schemeClr val="bg1"/>
+                </a:solidFill>
+                <a:latin typeface="Yeysk" pitchFamily="50" charset="0"/>
+              </a:rPr>
+              <a:t>Windows Escalation</a:t>
+            </a:r>
+          </a:p>
+          <a:p>
+            <a:pPr algn="r"/>
+            <a:r>
+              <a:rPr lang="en-US" sz="1400" spc="300" dirty="0">
+                <a:solidFill>
+                  <a:schemeClr val="bg1"/>
+                </a:solidFill>
+                <a:latin typeface="Yeysk" pitchFamily="50" charset="0"/>
+              </a:rPr>
+              <a:t>Toolkit</a:t>
+            </a:r>
+          </a:p>
+        </p:txBody>
+      </p:sp>
     </p:spTree>
     <p:extLst>
       <p:ext uri="{BB962C8B-B14F-4D97-AF65-F5344CB8AC3E}">
-        <p14:creationId xmlns:p14="http://schemas.microsoft.com/office/powerpoint/2010/main" val="4071634196"/>
+        <p14:creationId xmlns:p14="http://schemas.microsoft.com/office/powerpoint/2010/main" val="4278508468"/>
       </p:ext>
     </p:extLst>
   </p:cSld>
@@ -4067,6 +4048,199 @@
 </file>
 
 <file path=ppt/slides/slide5.xml><?xml version="1.0" encoding="utf-8"?>
+<p:sld xmlns:a="http://schemas.openxmlformats.org/drawingml/2006/main" xmlns:r="http://schemas.openxmlformats.org/officeDocument/2006/relationships" xmlns:p="http://schemas.openxmlformats.org/presentationml/2006/main">
+  <p:cSld>
+    <p:bg>
+      <p:bgPr>
+        <a:solidFill>
+          <a:schemeClr val="tx1"/>
+        </a:solidFill>
+        <a:effectLst/>
+      </p:bgPr>
+    </p:bg>
+    <p:spTree>
+      <p:nvGrpSpPr>
+        <p:cNvPr id="1" name=""/>
+        <p:cNvGrpSpPr/>
+        <p:nvPr/>
+      </p:nvGrpSpPr>
+      <p:grpSpPr>
+        <a:xfrm>
+          <a:off x="0" y="0"/>
+          <a:ext cx="0" cy="0"/>
+          <a:chOff x="0" y="0"/>
+          <a:chExt cx="0" cy="0"/>
+        </a:xfrm>
+      </p:grpSpPr>
+      <p:sp>
+        <p:nvSpPr>
+          <p:cNvPr id="4" name="Rectangle: Rounded Corners 3">
+            <a:extLst>
+              <a:ext uri="{FF2B5EF4-FFF2-40B4-BE49-F238E27FC236}">
+                <a16:creationId xmlns:a16="http://schemas.microsoft.com/office/drawing/2014/main" id="{4518B211-6EE2-1D25-D3E2-8AA539976326}"/>
+              </a:ext>
+            </a:extLst>
+          </p:cNvPr>
+          <p:cNvSpPr/>
+          <p:nvPr/>
+        </p:nvSpPr>
+        <p:spPr>
+          <a:xfrm>
+            <a:off x="5181600" y="2514600"/>
+            <a:ext cx="1828800" cy="1828800"/>
+          </a:xfrm>
+          <a:prstGeom prst="roundRect">
+            <a:avLst/>
+          </a:prstGeom>
+          <a:solidFill>
+            <a:schemeClr val="bg2">
+              <a:lumMod val="10000"/>
+            </a:schemeClr>
+          </a:solidFill>
+          <a:ln>
+            <a:noFill/>
+          </a:ln>
+        </p:spPr>
+        <p:style>
+          <a:lnRef idx="2">
+            <a:schemeClr val="accent1">
+              <a:shade val="15000"/>
+            </a:schemeClr>
+          </a:lnRef>
+          <a:fillRef idx="1">
+            <a:schemeClr val="accent1"/>
+          </a:fillRef>
+          <a:effectRef idx="0">
+            <a:schemeClr val="accent1"/>
+          </a:effectRef>
+          <a:fontRef idx="minor">
+            <a:schemeClr val="lt1"/>
+          </a:fontRef>
+        </p:style>
+        <p:txBody>
+          <a:bodyPr rtlCol="0" anchor="ctr"/>
+          <a:lstStyle/>
+          <a:p>
+            <a:pPr algn="ctr"/>
+            <a:endParaRPr lang="en-US"/>
+          </a:p>
+        </p:txBody>
+      </p:sp>
+      <p:grpSp>
+        <p:nvGrpSpPr>
+          <p:cNvPr id="6" name="Group 5">
+            <a:extLst>
+              <a:ext uri="{FF2B5EF4-FFF2-40B4-BE49-F238E27FC236}">
+                <a16:creationId xmlns:a16="http://schemas.microsoft.com/office/drawing/2014/main" id="{02DAA066-C355-9BA8-F390-4115F307167C}"/>
+              </a:ext>
+            </a:extLst>
+          </p:cNvPr>
+          <p:cNvGrpSpPr/>
+          <p:nvPr/>
+        </p:nvGrpSpPr>
+        <p:grpSpPr>
+          <a:xfrm>
+            <a:off x="5029200" y="2369409"/>
+            <a:ext cx="2133600" cy="2119182"/>
+            <a:chOff x="1622854" y="1136822"/>
+            <a:chExt cx="7590329" cy="2119182"/>
+          </a:xfrm>
+        </p:grpSpPr>
+        <p:sp>
+          <p:nvSpPr>
+            <p:cNvPr id="9" name="TextBox 8">
+              <a:extLst>
+                <a:ext uri="{FF2B5EF4-FFF2-40B4-BE49-F238E27FC236}">
+                  <a16:creationId xmlns:a16="http://schemas.microsoft.com/office/drawing/2014/main" id="{8C65E210-5297-4C81-C539-7D769C6F1390}"/>
+                </a:ext>
+              </a:extLst>
+            </p:cNvPr>
+            <p:cNvSpPr txBox="1"/>
+            <p:nvPr/>
+          </p:nvSpPr>
+          <p:spPr>
+            <a:xfrm>
+              <a:off x="1622854" y="1136822"/>
+              <a:ext cx="6211329" cy="1569660"/>
+            </a:xfrm>
+            <a:prstGeom prst="rect">
+              <a:avLst/>
+            </a:prstGeom>
+            <a:noFill/>
+          </p:spPr>
+          <p:txBody>
+            <a:bodyPr wrap="square" rtlCol="0">
+              <a:spAutoFit/>
+            </a:bodyPr>
+            <a:lstStyle/>
+            <a:p>
+              <a:r>
+                <a:rPr lang="en-US" sz="9600" b="1" i="1" dirty="0">
+                  <a:solidFill>
+                    <a:srgbClr val="D700FF"/>
+                  </a:solidFill>
+                  <a:latin typeface="Lighters DEMO" pitchFamily="50" charset="0"/>
+                </a:rPr>
+                <a:t>H</a:t>
+              </a:r>
+            </a:p>
+          </p:txBody>
+        </p:sp>
+        <p:sp>
+          <p:nvSpPr>
+            <p:cNvPr id="10" name="TextBox 9">
+              <a:extLst>
+                <a:ext uri="{FF2B5EF4-FFF2-40B4-BE49-F238E27FC236}">
+                  <a16:creationId xmlns:a16="http://schemas.microsoft.com/office/drawing/2014/main" id="{7FF52687-1722-E2BB-C403-0C30972D6F22}"/>
+                </a:ext>
+              </a:extLst>
+            </p:cNvPr>
+            <p:cNvSpPr txBox="1"/>
+            <p:nvPr/>
+          </p:nvSpPr>
+          <p:spPr>
+            <a:xfrm>
+              <a:off x="3001856" y="1686344"/>
+              <a:ext cx="6211327" cy="1569660"/>
+            </a:xfrm>
+            <a:prstGeom prst="rect">
+              <a:avLst/>
+            </a:prstGeom>
+            <a:noFill/>
+          </p:spPr>
+          <p:txBody>
+            <a:bodyPr wrap="square" rtlCol="0">
+              <a:spAutoFit/>
+            </a:bodyPr>
+            <a:lstStyle/>
+            <a:p>
+              <a:r>
+                <a:rPr lang="en-US" sz="9600" b="1" dirty="0">
+                  <a:solidFill>
+                    <a:srgbClr val="FFFF00"/>
+                  </a:solidFill>
+                  <a:latin typeface="Lighters DEMO" pitchFamily="50" charset="0"/>
+                </a:rPr>
+                <a:t>W</a:t>
+              </a:r>
+            </a:p>
+          </p:txBody>
+        </p:sp>
+      </p:grpSp>
+    </p:spTree>
+    <p:extLst>
+      <p:ext uri="{BB962C8B-B14F-4D97-AF65-F5344CB8AC3E}">
+        <p14:creationId xmlns:p14="http://schemas.microsoft.com/office/powerpoint/2010/main" val="1429981917"/>
+      </p:ext>
+    </p:extLst>
+  </p:cSld>
+  <p:clrMapOvr>
+    <a:masterClrMapping/>
+  </p:clrMapOvr>
+</p:sld>
+</file>
+
+<file path=ppt/slides/slide6.xml><?xml version="1.0" encoding="utf-8"?>
 <p:sld xmlns:a="http://schemas.openxmlformats.org/drawingml/2006/main" xmlns:r="http://schemas.openxmlformats.org/officeDocument/2006/relationships" xmlns:p="http://schemas.openxmlformats.org/presentationml/2006/main">
   <p:cSld>
     <p:bg>

--- a/GitAssets/HynusWynusLogo.pptx
+++ b/GitAssets/HynusWynusLogo.pptx
@@ -282,7 +282,7 @@
           <a:p>
             <a:fld id="{41F32AC9-E875-46B4-84B0-D15BF981D69C}" type="datetimeFigureOut">
               <a:rPr lang="en-US" smtClean="0"/>
-              <a:t>10/1/2023</a:t>
+              <a:t>10/21/2023</a:t>
             </a:fld>
             <a:endParaRPr lang="en-US"/>
           </a:p>
@@ -480,7 +480,7 @@
           <a:p>
             <a:fld id="{41F32AC9-E875-46B4-84B0-D15BF981D69C}" type="datetimeFigureOut">
               <a:rPr lang="en-US" smtClean="0"/>
-              <a:t>10/1/2023</a:t>
+              <a:t>10/21/2023</a:t>
             </a:fld>
             <a:endParaRPr lang="en-US"/>
           </a:p>
@@ -688,7 +688,7 @@
           <a:p>
             <a:fld id="{41F32AC9-E875-46B4-84B0-D15BF981D69C}" type="datetimeFigureOut">
               <a:rPr lang="en-US" smtClean="0"/>
-              <a:t>10/1/2023</a:t>
+              <a:t>10/21/2023</a:t>
             </a:fld>
             <a:endParaRPr lang="en-US"/>
           </a:p>
@@ -886,7 +886,7 @@
           <a:p>
             <a:fld id="{41F32AC9-E875-46B4-84B0-D15BF981D69C}" type="datetimeFigureOut">
               <a:rPr lang="en-US" smtClean="0"/>
-              <a:t>10/1/2023</a:t>
+              <a:t>10/21/2023</a:t>
             </a:fld>
             <a:endParaRPr lang="en-US"/>
           </a:p>
@@ -1161,7 +1161,7 @@
           <a:p>
             <a:fld id="{41F32AC9-E875-46B4-84B0-D15BF981D69C}" type="datetimeFigureOut">
               <a:rPr lang="en-US" smtClean="0"/>
-              <a:t>10/1/2023</a:t>
+              <a:t>10/21/2023</a:t>
             </a:fld>
             <a:endParaRPr lang="en-US"/>
           </a:p>
@@ -1426,7 +1426,7 @@
           <a:p>
             <a:fld id="{41F32AC9-E875-46B4-84B0-D15BF981D69C}" type="datetimeFigureOut">
               <a:rPr lang="en-US" smtClean="0"/>
-              <a:t>10/1/2023</a:t>
+              <a:t>10/21/2023</a:t>
             </a:fld>
             <a:endParaRPr lang="en-US"/>
           </a:p>
@@ -1838,7 +1838,7 @@
           <a:p>
             <a:fld id="{41F32AC9-E875-46B4-84B0-D15BF981D69C}" type="datetimeFigureOut">
               <a:rPr lang="en-US" smtClean="0"/>
-              <a:t>10/1/2023</a:t>
+              <a:t>10/21/2023</a:t>
             </a:fld>
             <a:endParaRPr lang="en-US"/>
           </a:p>
@@ -1979,7 +1979,7 @@
           <a:p>
             <a:fld id="{41F32AC9-E875-46B4-84B0-D15BF981D69C}" type="datetimeFigureOut">
               <a:rPr lang="en-US" smtClean="0"/>
-              <a:t>10/1/2023</a:t>
+              <a:t>10/21/2023</a:t>
             </a:fld>
             <a:endParaRPr lang="en-US"/>
           </a:p>
@@ -2092,7 +2092,7 @@
           <a:p>
             <a:fld id="{41F32AC9-E875-46B4-84B0-D15BF981D69C}" type="datetimeFigureOut">
               <a:rPr lang="en-US" smtClean="0"/>
-              <a:t>10/1/2023</a:t>
+              <a:t>10/21/2023</a:t>
             </a:fld>
             <a:endParaRPr lang="en-US"/>
           </a:p>
@@ -2403,7 +2403,7 @@
           <a:p>
             <a:fld id="{41F32AC9-E875-46B4-84B0-D15BF981D69C}" type="datetimeFigureOut">
               <a:rPr lang="en-US" smtClean="0"/>
-              <a:t>10/1/2023</a:t>
+              <a:t>10/21/2023</a:t>
             </a:fld>
             <a:endParaRPr lang="en-US"/>
           </a:p>
@@ -2691,7 +2691,7 @@
           <a:p>
             <a:fld id="{41F32AC9-E875-46B4-84B0-D15BF981D69C}" type="datetimeFigureOut">
               <a:rPr lang="en-US" smtClean="0"/>
-              <a:t>10/1/2023</a:t>
+              <a:t>10/21/2023</a:t>
             </a:fld>
             <a:endParaRPr lang="en-US"/>
           </a:p>
@@ -2932,7 +2932,7 @@
           <a:p>
             <a:fld id="{41F32AC9-E875-46B4-84B0-D15BF981D69C}" type="datetimeFigureOut">
               <a:rPr lang="en-US" smtClean="0"/>
-              <a:t>10/1/2023</a:t>
+              <a:t>10/21/2023</a:t>
             </a:fld>
             <a:endParaRPr lang="en-US"/>
           </a:p>
@@ -3359,10 +3359,10 @@
       </p:grpSpPr>
       <p:grpSp>
         <p:nvGrpSpPr>
-          <p:cNvPr id="6" name="Group 5">
-            <a:extLst>
-              <a:ext uri="{FF2B5EF4-FFF2-40B4-BE49-F238E27FC236}">
-                <a16:creationId xmlns:a16="http://schemas.microsoft.com/office/drawing/2014/main" id="{491AEE4F-D816-D1AD-1830-144D7E68DE42}"/>
+          <p:cNvPr id="3" name="Group 2">
+            <a:extLst>
+              <a:ext uri="{FF2B5EF4-FFF2-40B4-BE49-F238E27FC236}">
+                <a16:creationId xmlns:a16="http://schemas.microsoft.com/office/drawing/2014/main" id="{F022667F-6229-1088-0D23-C3BF1C5138D3}"/>
               </a:ext>
             </a:extLst>
           </p:cNvPr>
@@ -3373,16 +3373,117 @@
           <a:xfrm>
             <a:off x="1977081" y="2171700"/>
             <a:ext cx="8237837" cy="2514599"/>
-            <a:chOff x="1622854" y="1136822"/>
+            <a:chOff x="1977081" y="2171700"/>
             <a:chExt cx="8237837" cy="2514599"/>
           </a:xfrm>
         </p:grpSpPr>
+        <p:grpSp>
+          <p:nvGrpSpPr>
+            <p:cNvPr id="6" name="Group 5">
+              <a:extLst>
+                <a:ext uri="{FF2B5EF4-FFF2-40B4-BE49-F238E27FC236}">
+                  <a16:creationId xmlns:a16="http://schemas.microsoft.com/office/drawing/2014/main" id="{491AEE4F-D816-D1AD-1830-144D7E68DE42}"/>
+                </a:ext>
+              </a:extLst>
+            </p:cNvPr>
+            <p:cNvGrpSpPr/>
+            <p:nvPr/>
+          </p:nvGrpSpPr>
+          <p:grpSpPr>
+            <a:xfrm>
+              <a:off x="1977081" y="2171700"/>
+              <a:ext cx="8237837" cy="2514599"/>
+              <a:chOff x="1622854" y="1136822"/>
+              <a:chExt cx="8237837" cy="2514599"/>
+            </a:xfrm>
+          </p:grpSpPr>
+          <p:sp>
+            <p:nvSpPr>
+              <p:cNvPr id="4" name="TextBox 3">
+                <a:extLst>
+                  <a:ext uri="{FF2B5EF4-FFF2-40B4-BE49-F238E27FC236}">
+                    <a16:creationId xmlns:a16="http://schemas.microsoft.com/office/drawing/2014/main" id="{8D0D4606-11AB-FA2F-38ED-19238132F39D}"/>
+                  </a:ext>
+                </a:extLst>
+              </p:cNvPr>
+              <p:cNvSpPr txBox="1"/>
+              <p:nvPr/>
+            </p:nvSpPr>
+            <p:spPr>
+              <a:xfrm>
+                <a:off x="1622854" y="1136822"/>
+                <a:ext cx="6211329" cy="1569660"/>
+              </a:xfrm>
+              <a:prstGeom prst="rect">
+                <a:avLst/>
+              </a:prstGeom>
+              <a:noFill/>
+            </p:spPr>
+            <p:txBody>
+              <a:bodyPr wrap="square" rtlCol="0">
+                <a:spAutoFit/>
+              </a:bodyPr>
+              <a:lstStyle/>
+              <a:p>
+                <a:r>
+                  <a:rPr lang="en-US" sz="9600" i="1" dirty="0">
+                    <a:solidFill>
+                      <a:srgbClr val="D700FF"/>
+                    </a:solidFill>
+                    <a:latin typeface="Lighters DEMO" pitchFamily="50" charset="0"/>
+                  </a:rPr>
+                  <a:t>Hynus</a:t>
+                </a:r>
+              </a:p>
+            </p:txBody>
+          </p:sp>
+          <p:sp>
+            <p:nvSpPr>
+              <p:cNvPr id="5" name="TextBox 4">
+                <a:extLst>
+                  <a:ext uri="{FF2B5EF4-FFF2-40B4-BE49-F238E27FC236}">
+                    <a16:creationId xmlns:a16="http://schemas.microsoft.com/office/drawing/2014/main" id="{D30ED832-B617-3A0A-A8B0-126254244BF2}"/>
+                  </a:ext>
+                </a:extLst>
+              </p:cNvPr>
+              <p:cNvSpPr txBox="1"/>
+              <p:nvPr/>
+            </p:nvSpPr>
+            <p:spPr>
+              <a:xfrm>
+                <a:off x="3649362" y="2081761"/>
+                <a:ext cx="6211329" cy="1569660"/>
+              </a:xfrm>
+              <a:prstGeom prst="rect">
+                <a:avLst/>
+              </a:prstGeom>
+              <a:noFill/>
+            </p:spPr>
+            <p:txBody>
+              <a:bodyPr wrap="square" rtlCol="0">
+                <a:spAutoFit/>
+              </a:bodyPr>
+              <a:lstStyle/>
+              <a:p>
+                <a:r>
+                  <a:rPr lang="en-US" sz="9600" dirty="0">
+                    <a:solidFill>
+                      <a:srgbClr val="FFFF00"/>
+                    </a:solidFill>
+                    <a:latin typeface="Lighters DEMO" pitchFamily="50" charset="0"/>
+                  </a:rPr>
+                  <a:t>Wynus</a:t>
+                </a:r>
+              </a:p>
+            </p:txBody>
+          </p:sp>
+        </p:grpSp>
         <p:sp>
           <p:nvSpPr>
-            <p:cNvPr id="4" name="TextBox 3">
+            <p:cNvPr id="2" name="TextBox 1">
               <a:extLst>
                 <a:ext uri="{FF2B5EF4-FFF2-40B4-BE49-F238E27FC236}">
-                  <a16:creationId xmlns:a16="http://schemas.microsoft.com/office/drawing/2014/main" id="{8D0D4606-11AB-FA2F-38ED-19238132F39D}"/>
+                  <a16:creationId xmlns:a16="http://schemas.microsoft.com/office/drawing/2014/main" id="{08546108-DC45-9039-BEFF-1A80D4A0BCC0}"/>
                 </a:ext>
               </a:extLst>
             </p:cNvPr>
@@ -3391,8 +3492,8 @@
           </p:nvSpPr>
           <p:spPr>
             <a:xfrm>
-              <a:off x="1622854" y="1136822"/>
-              <a:ext cx="6211329" cy="1569660"/>
+              <a:off x="2092412" y="3429000"/>
+              <a:ext cx="1911178" cy="738664"/>
             </a:xfrm>
             <a:prstGeom prst="rect">
               <a:avLst/>
@@ -3405,112 +3506,32 @@
             </a:bodyPr>
             <a:lstStyle/>
             <a:p>
+              <a:pPr algn="r"/>
               <a:r>
-                <a:rPr lang="en-US" sz="9600" i="1" dirty="0">
+                <a:rPr lang="en-US" sz="1400" spc="300" dirty="0">
                   <a:solidFill>
-                    <a:srgbClr val="D700FF"/>
+                    <a:schemeClr val="bg1"/>
                   </a:solidFill>
-                  <a:latin typeface="Lighters DEMO" pitchFamily="50" charset="0"/>
+                  <a:latin typeface="Yeysk" pitchFamily="50" charset="0"/>
                 </a:rPr>
-                <a:t>Hynus</a:t>
+                <a:t>Windows Escalation</a:t>
               </a:r>
             </a:p>
-          </p:txBody>
-        </p:sp>
-        <p:sp>
-          <p:nvSpPr>
-            <p:cNvPr id="5" name="TextBox 4">
-              <a:extLst>
-                <a:ext uri="{FF2B5EF4-FFF2-40B4-BE49-F238E27FC236}">
-                  <a16:creationId xmlns:a16="http://schemas.microsoft.com/office/drawing/2014/main" id="{D30ED832-B617-3A0A-A8B0-126254244BF2}"/>
-                </a:ext>
-              </a:extLst>
-            </p:cNvPr>
-            <p:cNvSpPr txBox="1"/>
-            <p:nvPr/>
-          </p:nvSpPr>
-          <p:spPr>
-            <a:xfrm>
-              <a:off x="3649362" y="2081761"/>
-              <a:ext cx="6211329" cy="1569660"/>
-            </a:xfrm>
-            <a:prstGeom prst="rect">
-              <a:avLst/>
-            </a:prstGeom>
-            <a:noFill/>
-          </p:spPr>
-          <p:txBody>
-            <a:bodyPr wrap="square" rtlCol="0">
-              <a:spAutoFit/>
-            </a:bodyPr>
-            <a:lstStyle/>
             <a:p>
+              <a:pPr algn="r"/>
               <a:r>
-                <a:rPr lang="en-US" sz="9600" dirty="0">
+                <a:rPr lang="en-US" sz="1400" spc="300" dirty="0">
                   <a:solidFill>
-                    <a:srgbClr val="FFFF00"/>
+                    <a:schemeClr val="bg1"/>
                   </a:solidFill>
-                  <a:latin typeface="Lighters DEMO" pitchFamily="50" charset="0"/>
+                  <a:latin typeface="Yeysk" pitchFamily="50" charset="0"/>
                 </a:rPr>
-                <a:t>Wynus</a:t>
+                <a:t>Toolkit</a:t>
               </a:r>
             </a:p>
           </p:txBody>
         </p:sp>
       </p:grpSp>
-      <p:sp>
-        <p:nvSpPr>
-          <p:cNvPr id="2" name="TextBox 1">
-            <a:extLst>
-              <a:ext uri="{FF2B5EF4-FFF2-40B4-BE49-F238E27FC236}">
-                <a16:creationId xmlns:a16="http://schemas.microsoft.com/office/drawing/2014/main" id="{08546108-DC45-9039-BEFF-1A80D4A0BCC0}"/>
-              </a:ext>
-            </a:extLst>
-          </p:cNvPr>
-          <p:cNvSpPr txBox="1"/>
-          <p:nvPr/>
-        </p:nvSpPr>
-        <p:spPr>
-          <a:xfrm>
-            <a:off x="2092412" y="3429000"/>
-            <a:ext cx="1911178" cy="738664"/>
-          </a:xfrm>
-          <a:prstGeom prst="rect">
-            <a:avLst/>
-          </a:prstGeom>
-          <a:noFill/>
-        </p:spPr>
-        <p:txBody>
-          <a:bodyPr wrap="square" rtlCol="0">
-            <a:spAutoFit/>
-          </a:bodyPr>
-          <a:lstStyle/>
-          <a:p>
-            <a:pPr algn="r"/>
-            <a:r>
-              <a:rPr lang="en-US" sz="1400" spc="300" dirty="0">
-                <a:solidFill>
-                  <a:schemeClr val="bg1"/>
-                </a:solidFill>
-                <a:latin typeface="Yeysk" pitchFamily="50" charset="0"/>
-              </a:rPr>
-              <a:t>Windows Escalation</a:t>
-            </a:r>
-          </a:p>
-          <a:p>
-            <a:pPr algn="r"/>
-            <a:r>
-              <a:rPr lang="en-US" sz="1400" spc="300" dirty="0">
-                <a:solidFill>
-                  <a:schemeClr val="bg1"/>
-                </a:solidFill>
-                <a:latin typeface="Yeysk" pitchFamily="50" charset="0"/>
-              </a:rPr>
-              <a:t>Toolkit</a:t>
-            </a:r>
-          </a:p>
-        </p:txBody>
-      </p:sp>
     </p:spTree>
     <p:extLst>
       <p:ext uri="{BB962C8B-B14F-4D97-AF65-F5344CB8AC3E}">
